--- a/MovingToTheCity_Rev0.pptx
+++ b/MovingToTheCity_Rev0.pptx
@@ -10,6 +10,8 @@
     <p:sldId id="258" r:id="rId4"/>
     <p:sldId id="260" r:id="rId5"/>
     <p:sldId id="261" r:id="rId6"/>
+    <p:sldId id="262" r:id="rId7"/>
+    <p:sldId id="263" r:id="rId8"/>
   </p:sldIdLst>
   <p:sldSz cx="9144000" cy="6858000" type="screen4x3"/>
   <p:notesSz cx="7104063" cy="10234613"/>
@@ -6576,6 +6578,1537 @@
     <p:extLst>
       <p:ext uri="{BB962C8B-B14F-4D97-AF65-F5344CB8AC3E}">
         <p14:creationId xmlns:p14="http://schemas.microsoft.com/office/powerpoint/2010/main" val="2330323002"/>
+      </p:ext>
+    </p:extLst>
+  </p:cSld>
+  <p:clrMapOvr>
+    <a:masterClrMapping/>
+  </p:clrMapOvr>
+</p:sld>
+</file>
+
+<file path=ppt/slides/slide6.xml><?xml version="1.0" encoding="utf-8"?>
+<p:sld xmlns:a="http://schemas.openxmlformats.org/drawingml/2006/main" xmlns:r="http://schemas.openxmlformats.org/officeDocument/2006/relationships" xmlns:p="http://schemas.openxmlformats.org/presentationml/2006/main">
+  <p:cSld>
+    <p:spTree>
+      <p:nvGrpSpPr>
+        <p:cNvPr id="1" name=""/>
+        <p:cNvGrpSpPr/>
+        <p:nvPr/>
+      </p:nvGrpSpPr>
+      <p:grpSpPr>
+        <a:xfrm>
+          <a:off x="0" y="0"/>
+          <a:ext cx="0" cy="0"/>
+          <a:chOff x="0" y="0"/>
+          <a:chExt cx="0" cy="0"/>
+        </a:xfrm>
+      </p:grpSpPr>
+      <p:sp>
+        <p:nvSpPr>
+          <p:cNvPr id="137218" name="Rectangle 2">
+            <a:extLst>
+              <a:ext uri="{FF2B5EF4-FFF2-40B4-BE49-F238E27FC236}">
+                <a16:creationId xmlns:a16="http://schemas.microsoft.com/office/drawing/2014/main" id="{48F277C4-4DDB-4E90-AD5A-142A83F8DBDA}"/>
+              </a:ext>
+            </a:extLst>
+          </p:cNvPr>
+          <p:cNvSpPr>
+            <a:spLocks noGrp="1" noChangeArrowheads="1"/>
+          </p:cNvSpPr>
+          <p:nvPr>
+            <p:ph type="title"/>
+          </p:nvPr>
+        </p:nvSpPr>
+        <p:spPr>
+          <a:xfrm>
+            <a:off x="395288" y="188913"/>
+            <a:ext cx="8229600" cy="981075"/>
+          </a:xfrm>
+        </p:spPr>
+        <p:txBody>
+          <a:bodyPr/>
+          <a:lstStyle/>
+          <a:p>
+            <a:r>
+              <a:rPr lang="it-IT" altLang="it-IT" sz="4000" dirty="0">
+                <a:solidFill>
+                  <a:schemeClr val="bg1"/>
+                </a:solidFill>
+              </a:rPr>
+              <a:t>2. Data</a:t>
+            </a:r>
+          </a:p>
+        </p:txBody>
+      </p:sp>
+      <p:sp>
+        <p:nvSpPr>
+          <p:cNvPr id="137219" name="Rectangle 3">
+            <a:extLst>
+              <a:ext uri="{FF2B5EF4-FFF2-40B4-BE49-F238E27FC236}">
+                <a16:creationId xmlns:a16="http://schemas.microsoft.com/office/drawing/2014/main" id="{A87F788C-E4AE-4B63-BFA6-7276BD069DDD}"/>
+              </a:ext>
+            </a:extLst>
+          </p:cNvPr>
+          <p:cNvSpPr>
+            <a:spLocks noGrp="1" noChangeArrowheads="1"/>
+          </p:cNvSpPr>
+          <p:nvPr>
+            <p:ph type="body" idx="1"/>
+          </p:nvPr>
+        </p:nvSpPr>
+        <p:spPr>
+          <a:xfrm>
+            <a:off x="1907704" y="1600200"/>
+            <a:ext cx="6779096" cy="4525963"/>
+          </a:xfrm>
+        </p:spPr>
+        <p:txBody>
+          <a:bodyPr/>
+          <a:lstStyle/>
+          <a:p>
+            <a:pPr marL="0" indent="0">
+              <a:buNone/>
+            </a:pPr>
+            <a:r>
+              <a:rPr lang="it-IT" altLang="it-IT" sz="2800" dirty="0">
+                <a:solidFill>
+                  <a:schemeClr val="bg1"/>
+                </a:solidFill>
+                <a:latin typeface="Trebuchet MS" panose="020B0603020202020204" pitchFamily="34" charset="0"/>
+              </a:rPr>
+              <a:t>2.2 Data features</a:t>
+            </a:r>
+          </a:p>
+          <a:p>
+            <a:pPr>
+              <a:buFont typeface="Arial" panose="020B0604020202020204" pitchFamily="34" charset="0"/>
+              <a:buChar char="•"/>
+            </a:pPr>
+            <a:r>
+              <a:rPr lang="it-IT" altLang="it-IT" sz="1800" dirty="0">
+                <a:solidFill>
+                  <a:schemeClr val="bg1"/>
+                </a:solidFill>
+                <a:latin typeface="Trebuchet MS" panose="020B0603020202020204" pitchFamily="34" charset="0"/>
+              </a:rPr>
+              <a:t>Padova/</a:t>
+            </a:r>
+            <a:r>
+              <a:rPr lang="it-IT" altLang="it-IT" sz="1800" dirty="0" err="1">
+                <a:solidFill>
+                  <a:schemeClr val="bg1"/>
+                </a:solidFill>
+                <a:latin typeface="Trebuchet MS" panose="020B0603020202020204" pitchFamily="34" charset="0"/>
+              </a:rPr>
+              <a:t>Padua</a:t>
+            </a:r>
+            <a:endParaRPr lang="it-IT" altLang="it-IT" sz="1800" dirty="0">
+              <a:solidFill>
+                <a:schemeClr val="bg1"/>
+              </a:solidFill>
+              <a:latin typeface="Trebuchet MS" panose="020B0603020202020204" pitchFamily="34" charset="0"/>
+            </a:endParaRPr>
+          </a:p>
+          <a:p>
+            <a:pPr lvl="1">
+              <a:buFont typeface="Arial" panose="020B0604020202020204" pitchFamily="34" charset="0"/>
+              <a:buChar char="•"/>
+            </a:pPr>
+            <a:r>
+              <a:rPr lang="it-IT" altLang="it-IT" sz="1400" dirty="0">
+                <a:solidFill>
+                  <a:schemeClr val="bg1"/>
+                </a:solidFill>
+                <a:latin typeface="Trebuchet MS" panose="020B0603020202020204" pitchFamily="34" charset="0"/>
+              </a:rPr>
+              <a:t>My location: latitudine and </a:t>
+            </a:r>
+            <a:r>
+              <a:rPr lang="it-IT" altLang="it-IT" sz="1400" dirty="0" err="1">
+                <a:solidFill>
+                  <a:schemeClr val="bg1"/>
+                </a:solidFill>
+                <a:latin typeface="Trebuchet MS" panose="020B0603020202020204" pitchFamily="34" charset="0"/>
+              </a:rPr>
+              <a:t>longitude</a:t>
+            </a:r>
+            <a:r>
+              <a:rPr lang="it-IT" altLang="it-IT" sz="1400" dirty="0">
+                <a:solidFill>
+                  <a:schemeClr val="bg1"/>
+                </a:solidFill>
+                <a:latin typeface="Trebuchet MS" panose="020B0603020202020204" pitchFamily="34" charset="0"/>
+              </a:rPr>
+              <a:t> (45.3959547,11.8802724)</a:t>
+            </a:r>
+          </a:p>
+          <a:p>
+            <a:pPr lvl="1">
+              <a:buFont typeface="Arial" panose="020B0604020202020204" pitchFamily="34" charset="0"/>
+              <a:buChar char="•"/>
+            </a:pPr>
+            <a:r>
+              <a:rPr lang="it-IT" altLang="it-IT" sz="1400" dirty="0">
+                <a:solidFill>
+                  <a:schemeClr val="bg1"/>
+                </a:solidFill>
+                <a:latin typeface="Trebuchet MS" panose="020B0603020202020204" pitchFamily="34" charset="0"/>
+              </a:rPr>
+              <a:t>Parks: from </a:t>
+            </a:r>
+            <a:r>
+              <a:rPr lang="it-IT" altLang="it-IT" sz="1400" dirty="0" err="1">
+                <a:solidFill>
+                  <a:schemeClr val="bg1"/>
+                </a:solidFill>
+                <a:latin typeface="Trebuchet MS" panose="020B0603020202020204" pitchFamily="34" charset="0"/>
+              </a:rPr>
+              <a:t>Foursquare</a:t>
+            </a:r>
+            <a:r>
+              <a:rPr lang="it-IT" altLang="it-IT" sz="1400" dirty="0">
+                <a:solidFill>
+                  <a:schemeClr val="bg1"/>
+                </a:solidFill>
+                <a:latin typeface="Trebuchet MS" panose="020B0603020202020204" pitchFamily="34" charset="0"/>
+              </a:rPr>
+              <a:t> with a </a:t>
+            </a:r>
+            <a:r>
+              <a:rPr lang="it-IT" altLang="it-IT" sz="1400" dirty="0" err="1">
+                <a:solidFill>
+                  <a:schemeClr val="bg1"/>
+                </a:solidFill>
+                <a:latin typeface="Trebuchet MS" panose="020B0603020202020204" pitchFamily="34" charset="0"/>
+              </a:rPr>
+              <a:t>specific</a:t>
+            </a:r>
+            <a:r>
+              <a:rPr lang="it-IT" altLang="it-IT" sz="1400" dirty="0">
+                <a:solidFill>
+                  <a:schemeClr val="bg1"/>
+                </a:solidFill>
+                <a:latin typeface="Trebuchet MS" panose="020B0603020202020204" pitchFamily="34" charset="0"/>
+              </a:rPr>
+              <a:t> </a:t>
+            </a:r>
+            <a:r>
+              <a:rPr lang="it-IT" altLang="it-IT" sz="1400" dirty="0" err="1">
+                <a:solidFill>
+                  <a:schemeClr val="bg1"/>
+                </a:solidFill>
+                <a:latin typeface="Trebuchet MS" panose="020B0603020202020204" pitchFamily="34" charset="0"/>
+              </a:rPr>
+              <a:t>radius</a:t>
+            </a:r>
+            <a:r>
+              <a:rPr lang="it-IT" altLang="it-IT" sz="1400" dirty="0">
+                <a:solidFill>
+                  <a:schemeClr val="bg1"/>
+                </a:solidFill>
+                <a:latin typeface="Trebuchet MS" panose="020B0603020202020204" pitchFamily="34" charset="0"/>
+              </a:rPr>
+              <a:t> of 2.5km</a:t>
+            </a:r>
+          </a:p>
+          <a:p>
+            <a:pPr lvl="1">
+              <a:buFont typeface="Arial" panose="020B0604020202020204" pitchFamily="34" charset="0"/>
+              <a:buChar char="•"/>
+            </a:pPr>
+            <a:endParaRPr lang="it-IT" altLang="it-IT" sz="1400" dirty="0">
+              <a:solidFill>
+                <a:schemeClr val="bg1"/>
+              </a:solidFill>
+              <a:latin typeface="Trebuchet MS" panose="020B0603020202020204" pitchFamily="34" charset="0"/>
+            </a:endParaRPr>
+          </a:p>
+          <a:p>
+            <a:pPr lvl="1">
+              <a:buFont typeface="Arial" panose="020B0604020202020204" pitchFamily="34" charset="0"/>
+              <a:buChar char="•"/>
+            </a:pPr>
+            <a:endParaRPr lang="it-IT" altLang="it-IT" sz="1400" dirty="0">
+              <a:solidFill>
+                <a:schemeClr val="bg1"/>
+              </a:solidFill>
+              <a:latin typeface="Trebuchet MS" panose="020B0603020202020204" pitchFamily="34" charset="0"/>
+            </a:endParaRPr>
+          </a:p>
+          <a:p>
+            <a:pPr lvl="1">
+              <a:buFont typeface="Arial" panose="020B0604020202020204" pitchFamily="34" charset="0"/>
+              <a:buChar char="•"/>
+            </a:pPr>
+            <a:endParaRPr lang="it-IT" altLang="it-IT" sz="1400" dirty="0">
+              <a:solidFill>
+                <a:schemeClr val="bg1"/>
+              </a:solidFill>
+              <a:latin typeface="Trebuchet MS" panose="020B0603020202020204" pitchFamily="34" charset="0"/>
+            </a:endParaRPr>
+          </a:p>
+          <a:p>
+            <a:pPr lvl="1">
+              <a:buFont typeface="Arial" panose="020B0604020202020204" pitchFamily="34" charset="0"/>
+              <a:buChar char="•"/>
+            </a:pPr>
+            <a:endParaRPr lang="it-IT" altLang="it-IT" sz="1400" dirty="0">
+              <a:solidFill>
+                <a:schemeClr val="bg1"/>
+              </a:solidFill>
+              <a:latin typeface="Trebuchet MS" panose="020B0603020202020204" pitchFamily="34" charset="0"/>
+            </a:endParaRPr>
+          </a:p>
+          <a:p>
+            <a:pPr lvl="1">
+              <a:buFont typeface="Arial" panose="020B0604020202020204" pitchFamily="34" charset="0"/>
+              <a:buChar char="•"/>
+            </a:pPr>
+            <a:endParaRPr lang="it-IT" altLang="it-IT" sz="1400" dirty="0">
+              <a:solidFill>
+                <a:schemeClr val="bg1"/>
+              </a:solidFill>
+              <a:latin typeface="Trebuchet MS" panose="020B0603020202020204" pitchFamily="34" charset="0"/>
+            </a:endParaRPr>
+          </a:p>
+          <a:p>
+            <a:pPr lvl="1">
+              <a:buFont typeface="Arial" panose="020B0604020202020204" pitchFamily="34" charset="0"/>
+              <a:buChar char="•"/>
+            </a:pPr>
+            <a:endParaRPr lang="it-IT" altLang="it-IT" sz="1400" dirty="0">
+              <a:solidFill>
+                <a:schemeClr val="bg1"/>
+              </a:solidFill>
+              <a:latin typeface="Trebuchet MS" panose="020B0603020202020204" pitchFamily="34" charset="0"/>
+            </a:endParaRPr>
+          </a:p>
+          <a:p>
+            <a:pPr lvl="1">
+              <a:buFont typeface="Arial" panose="020B0604020202020204" pitchFamily="34" charset="0"/>
+              <a:buChar char="•"/>
+            </a:pPr>
+            <a:endParaRPr lang="it-IT" altLang="it-IT" sz="1400" dirty="0">
+              <a:solidFill>
+                <a:schemeClr val="bg1"/>
+              </a:solidFill>
+              <a:latin typeface="Trebuchet MS" panose="020B0603020202020204" pitchFamily="34" charset="0"/>
+            </a:endParaRPr>
+          </a:p>
+          <a:p>
+            <a:pPr lvl="1">
+              <a:buFont typeface="Arial" panose="020B0604020202020204" pitchFamily="34" charset="0"/>
+              <a:buChar char="•"/>
+            </a:pPr>
+            <a:r>
+              <a:rPr lang="it-IT" altLang="it-IT" sz="1400" dirty="0">
+                <a:solidFill>
+                  <a:schemeClr val="bg1"/>
+                </a:solidFill>
+                <a:latin typeface="Trebuchet MS" panose="020B0603020202020204" pitchFamily="34" charset="0"/>
+              </a:rPr>
+              <a:t>The </a:t>
+            </a:r>
+            <a:r>
+              <a:rPr lang="it-IT" altLang="it-IT" sz="1400" dirty="0" err="1">
+                <a:solidFill>
+                  <a:schemeClr val="bg1"/>
+                </a:solidFill>
+                <a:latin typeface="Trebuchet MS" panose="020B0603020202020204" pitchFamily="34" charset="0"/>
+              </a:rPr>
+              <a:t>same</a:t>
+            </a:r>
+            <a:r>
+              <a:rPr lang="it-IT" altLang="it-IT" sz="1400" dirty="0">
+                <a:solidFill>
+                  <a:schemeClr val="bg1"/>
+                </a:solidFill>
+                <a:latin typeface="Trebuchet MS" panose="020B0603020202020204" pitchFamily="34" charset="0"/>
+              </a:rPr>
+              <a:t> for schools, shopping </a:t>
+            </a:r>
+            <a:r>
+              <a:rPr lang="it-IT" altLang="it-IT" sz="1400" dirty="0" err="1">
+                <a:solidFill>
+                  <a:schemeClr val="bg1"/>
+                </a:solidFill>
+                <a:latin typeface="Trebuchet MS" panose="020B0603020202020204" pitchFamily="34" charset="0"/>
+              </a:rPr>
+              <a:t>venues</a:t>
+            </a:r>
+            <a:r>
+              <a:rPr lang="it-IT" altLang="it-IT" sz="1400" dirty="0">
+                <a:solidFill>
+                  <a:schemeClr val="bg1"/>
+                </a:solidFill>
+                <a:latin typeface="Trebuchet MS" panose="020B0603020202020204" pitchFamily="34" charset="0"/>
+              </a:rPr>
+              <a:t>, </a:t>
+            </a:r>
+            <a:r>
+              <a:rPr lang="it-IT" altLang="it-IT" sz="1400" dirty="0" err="1">
+                <a:solidFill>
+                  <a:schemeClr val="bg1"/>
+                </a:solidFill>
+                <a:latin typeface="Trebuchet MS" panose="020B0603020202020204" pitchFamily="34" charset="0"/>
+              </a:rPr>
+              <a:t>theatres</a:t>
+            </a:r>
+            <a:r>
+              <a:rPr lang="it-IT" altLang="it-IT" sz="1400" dirty="0">
+                <a:solidFill>
+                  <a:schemeClr val="bg1"/>
+                </a:solidFill>
+                <a:latin typeface="Trebuchet MS" panose="020B0603020202020204" pitchFamily="34" charset="0"/>
+              </a:rPr>
+              <a:t> (from </a:t>
+            </a:r>
+            <a:r>
+              <a:rPr lang="it-IT" altLang="it-IT" sz="1400" dirty="0" err="1">
+                <a:solidFill>
+                  <a:schemeClr val="bg1"/>
+                </a:solidFill>
+                <a:latin typeface="Trebuchet MS" panose="020B0603020202020204" pitchFamily="34" charset="0"/>
+              </a:rPr>
+              <a:t>Foursquare</a:t>
+            </a:r>
+            <a:r>
+              <a:rPr lang="it-IT" altLang="it-IT" sz="1400" dirty="0">
+                <a:solidFill>
+                  <a:schemeClr val="bg1"/>
+                </a:solidFill>
+                <a:latin typeface="Trebuchet MS" panose="020B0603020202020204" pitchFamily="34" charset="0"/>
+              </a:rPr>
+              <a:t>) and a </a:t>
+            </a:r>
+            <a:r>
+              <a:rPr lang="it-IT" altLang="it-IT" sz="1400" dirty="0" err="1">
+                <a:solidFill>
+                  <a:schemeClr val="bg1"/>
+                </a:solidFill>
+                <a:latin typeface="Trebuchet MS" panose="020B0603020202020204" pitchFamily="34" charset="0"/>
+              </a:rPr>
+              <a:t>specific</a:t>
+            </a:r>
+            <a:r>
+              <a:rPr lang="it-IT" altLang="it-IT" sz="1400" dirty="0">
+                <a:solidFill>
+                  <a:schemeClr val="bg1"/>
+                </a:solidFill>
+                <a:latin typeface="Trebuchet MS" panose="020B0603020202020204" pitchFamily="34" charset="0"/>
+              </a:rPr>
+              <a:t> </a:t>
+            </a:r>
+            <a:r>
+              <a:rPr lang="it-IT" altLang="it-IT" sz="1400" dirty="0" err="1">
+                <a:solidFill>
+                  <a:schemeClr val="bg1"/>
+                </a:solidFill>
+                <a:latin typeface="Trebuchet MS" panose="020B0603020202020204" pitchFamily="34" charset="0"/>
+              </a:rPr>
+              <a:t>radius</a:t>
+            </a:r>
+            <a:r>
+              <a:rPr lang="it-IT" altLang="it-IT" sz="1400" dirty="0">
+                <a:solidFill>
+                  <a:schemeClr val="bg1"/>
+                </a:solidFill>
+                <a:latin typeface="Trebuchet MS" panose="020B0603020202020204" pitchFamily="34" charset="0"/>
+              </a:rPr>
+              <a:t> of 2.5km.</a:t>
+            </a:r>
+          </a:p>
+          <a:p>
+            <a:pPr lvl="1">
+              <a:buFont typeface="Arial" panose="020B0604020202020204" pitchFamily="34" charset="0"/>
+              <a:buChar char="•"/>
+            </a:pPr>
+            <a:r>
+              <a:rPr lang="it-IT" altLang="it-IT" sz="1400" dirty="0">
+                <a:solidFill>
+                  <a:schemeClr val="bg1"/>
+                </a:solidFill>
+                <a:latin typeface="Trebuchet MS" panose="020B0603020202020204" pitchFamily="34" charset="0"/>
+              </a:rPr>
+              <a:t>The features </a:t>
+            </a:r>
+            <a:r>
+              <a:rPr lang="it-IT" altLang="it-IT" sz="1400" dirty="0" err="1">
+                <a:solidFill>
+                  <a:schemeClr val="bg1"/>
+                </a:solidFill>
+                <a:latin typeface="Trebuchet MS" panose="020B0603020202020204" pitchFamily="34" charset="0"/>
+              </a:rPr>
+              <a:t>we</a:t>
+            </a:r>
+            <a:r>
+              <a:rPr lang="it-IT" altLang="it-IT" sz="1400" dirty="0">
+                <a:solidFill>
+                  <a:schemeClr val="bg1"/>
+                </a:solidFill>
+                <a:latin typeface="Trebuchet MS" panose="020B0603020202020204" pitchFamily="34" charset="0"/>
+              </a:rPr>
+              <a:t> are </a:t>
+            </a:r>
+            <a:r>
+              <a:rPr lang="it-IT" altLang="it-IT" sz="1400" dirty="0" err="1">
+                <a:solidFill>
+                  <a:schemeClr val="bg1"/>
+                </a:solidFill>
+                <a:latin typeface="Trebuchet MS" panose="020B0603020202020204" pitchFamily="34" charset="0"/>
+              </a:rPr>
+              <a:t>interested</a:t>
+            </a:r>
+            <a:r>
+              <a:rPr lang="it-IT" altLang="it-IT" sz="1400" dirty="0">
+                <a:solidFill>
+                  <a:schemeClr val="bg1"/>
+                </a:solidFill>
+                <a:latin typeface="Trebuchet MS" panose="020B0603020202020204" pitchFamily="34" charset="0"/>
+              </a:rPr>
+              <a:t> are </a:t>
+            </a:r>
+            <a:r>
+              <a:rPr lang="it-IT" altLang="it-IT" sz="1400" dirty="0" err="1">
+                <a:solidFill>
+                  <a:schemeClr val="bg1"/>
+                </a:solidFill>
+                <a:latin typeface="Trebuchet MS" panose="020B0603020202020204" pitchFamily="34" charset="0"/>
+              </a:rPr>
+              <a:t>distance</a:t>
+            </a:r>
+            <a:r>
+              <a:rPr lang="it-IT" altLang="it-IT" sz="1400" dirty="0">
+                <a:solidFill>
+                  <a:schemeClr val="bg1"/>
+                </a:solidFill>
+                <a:latin typeface="Trebuchet MS" panose="020B0603020202020204" pitchFamily="34" charset="0"/>
+              </a:rPr>
+              <a:t>, review score, opening hours and </a:t>
+            </a:r>
+            <a:r>
+              <a:rPr lang="it-IT" altLang="it-IT" sz="1400" dirty="0" err="1">
+                <a:solidFill>
+                  <a:schemeClr val="bg1"/>
+                </a:solidFill>
+                <a:latin typeface="Trebuchet MS" panose="020B0603020202020204" pitchFamily="34" charset="0"/>
+              </a:rPr>
+              <a:t>if</a:t>
+            </a:r>
+            <a:r>
+              <a:rPr lang="it-IT" altLang="it-IT" sz="1400" dirty="0">
+                <a:solidFill>
+                  <a:schemeClr val="bg1"/>
+                </a:solidFill>
+                <a:latin typeface="Trebuchet MS" panose="020B0603020202020204" pitchFamily="34" charset="0"/>
+              </a:rPr>
+              <a:t> </a:t>
+            </a:r>
+            <a:r>
+              <a:rPr lang="it-IT" altLang="it-IT" sz="1400" dirty="0" err="1">
+                <a:solidFill>
+                  <a:schemeClr val="bg1"/>
+                </a:solidFill>
+                <a:latin typeface="Trebuchet MS" panose="020B0603020202020204" pitchFamily="34" charset="0"/>
+              </a:rPr>
+              <a:t>they</a:t>
+            </a:r>
+            <a:r>
+              <a:rPr lang="it-IT" altLang="it-IT" sz="1400" dirty="0">
+                <a:solidFill>
+                  <a:schemeClr val="bg1"/>
+                </a:solidFill>
+                <a:latin typeface="Trebuchet MS" panose="020B0603020202020204" pitchFamily="34" charset="0"/>
+              </a:rPr>
+              <a:t> are </a:t>
+            </a:r>
+            <a:r>
+              <a:rPr lang="it-IT" altLang="it-IT" sz="1400" dirty="0" err="1">
+                <a:solidFill>
+                  <a:schemeClr val="bg1"/>
+                </a:solidFill>
+                <a:latin typeface="Trebuchet MS" panose="020B0603020202020204" pitchFamily="34" charset="0"/>
+              </a:rPr>
+              <a:t>trending</a:t>
+            </a:r>
+            <a:r>
+              <a:rPr lang="it-IT" altLang="it-IT" sz="1400" dirty="0">
+                <a:solidFill>
+                  <a:schemeClr val="bg1"/>
+                </a:solidFill>
+                <a:latin typeface="Trebuchet MS" panose="020B0603020202020204" pitchFamily="34" charset="0"/>
+              </a:rPr>
+              <a:t>.</a:t>
+            </a:r>
+          </a:p>
+          <a:p>
+            <a:pPr lvl="1">
+              <a:buFont typeface="Arial" panose="020B0604020202020204" pitchFamily="34" charset="0"/>
+              <a:buChar char="•"/>
+            </a:pPr>
+            <a:endParaRPr lang="it-IT" altLang="it-IT" sz="1400" dirty="0">
+              <a:solidFill>
+                <a:schemeClr val="bg1"/>
+              </a:solidFill>
+              <a:latin typeface="Trebuchet MS" panose="020B0603020202020204" pitchFamily="34" charset="0"/>
+            </a:endParaRPr>
+          </a:p>
+        </p:txBody>
+      </p:sp>
+      <p:pic>
+        <p:nvPicPr>
+          <p:cNvPr id="2" name="Immagine 1">
+            <a:extLst>
+              <a:ext uri="{FF2B5EF4-FFF2-40B4-BE49-F238E27FC236}">
+                <a16:creationId xmlns:a16="http://schemas.microsoft.com/office/drawing/2014/main" id="{D921B732-DAE8-424A-ADDA-E59E316F8D96}"/>
+              </a:ext>
+            </a:extLst>
+          </p:cNvPr>
+          <p:cNvPicPr>
+            <a:picLocks noChangeAspect="1"/>
+          </p:cNvPicPr>
+          <p:nvPr/>
+        </p:nvPicPr>
+        <p:blipFill>
+          <a:blip r:embed="rId2"/>
+          <a:stretch>
+            <a:fillRect/>
+          </a:stretch>
+        </p:blipFill>
+        <p:spPr>
+          <a:xfrm>
+            <a:off x="2771800" y="2996952"/>
+            <a:ext cx="3816424" cy="1633221"/>
+          </a:xfrm>
+          <a:prstGeom prst="rect">
+            <a:avLst/>
+          </a:prstGeom>
+        </p:spPr>
+      </p:pic>
+    </p:spTree>
+    <p:extLst>
+      <p:ext uri="{BB962C8B-B14F-4D97-AF65-F5344CB8AC3E}">
+        <p14:creationId xmlns:p14="http://schemas.microsoft.com/office/powerpoint/2010/main" val="1169244224"/>
+      </p:ext>
+    </p:extLst>
+  </p:cSld>
+  <p:clrMapOvr>
+    <a:masterClrMapping/>
+  </p:clrMapOvr>
+</p:sld>
+</file>
+
+<file path=ppt/slides/slide7.xml><?xml version="1.0" encoding="utf-8"?>
+<p:sld xmlns:a="http://schemas.openxmlformats.org/drawingml/2006/main" xmlns:r="http://schemas.openxmlformats.org/officeDocument/2006/relationships" xmlns:p="http://schemas.openxmlformats.org/presentationml/2006/main">
+  <p:cSld>
+    <p:spTree>
+      <p:nvGrpSpPr>
+        <p:cNvPr id="1" name=""/>
+        <p:cNvGrpSpPr/>
+        <p:nvPr/>
+      </p:nvGrpSpPr>
+      <p:grpSpPr>
+        <a:xfrm>
+          <a:off x="0" y="0"/>
+          <a:ext cx="0" cy="0"/>
+          <a:chOff x="0" y="0"/>
+          <a:chExt cx="0" cy="0"/>
+        </a:xfrm>
+      </p:grpSpPr>
+      <p:sp>
+        <p:nvSpPr>
+          <p:cNvPr id="137218" name="Rectangle 2">
+            <a:extLst>
+              <a:ext uri="{FF2B5EF4-FFF2-40B4-BE49-F238E27FC236}">
+                <a16:creationId xmlns:a16="http://schemas.microsoft.com/office/drawing/2014/main" id="{48F277C4-4DDB-4E90-AD5A-142A83F8DBDA}"/>
+              </a:ext>
+            </a:extLst>
+          </p:cNvPr>
+          <p:cNvSpPr>
+            <a:spLocks noGrp="1" noChangeArrowheads="1"/>
+          </p:cNvSpPr>
+          <p:nvPr>
+            <p:ph type="title"/>
+          </p:nvPr>
+        </p:nvSpPr>
+        <p:spPr>
+          <a:xfrm>
+            <a:off x="395288" y="188913"/>
+            <a:ext cx="8229600" cy="981075"/>
+          </a:xfrm>
+        </p:spPr>
+        <p:txBody>
+          <a:bodyPr/>
+          <a:lstStyle/>
+          <a:p>
+            <a:r>
+              <a:rPr lang="it-IT" altLang="it-IT" sz="4000" dirty="0">
+                <a:solidFill>
+                  <a:schemeClr val="bg1"/>
+                </a:solidFill>
+              </a:rPr>
+              <a:t>2. Data</a:t>
+            </a:r>
+          </a:p>
+        </p:txBody>
+      </p:sp>
+      <p:sp>
+        <p:nvSpPr>
+          <p:cNvPr id="137219" name="Rectangle 3">
+            <a:extLst>
+              <a:ext uri="{FF2B5EF4-FFF2-40B4-BE49-F238E27FC236}">
+                <a16:creationId xmlns:a16="http://schemas.microsoft.com/office/drawing/2014/main" id="{A87F788C-E4AE-4B63-BFA6-7276BD069DDD}"/>
+              </a:ext>
+            </a:extLst>
+          </p:cNvPr>
+          <p:cNvSpPr>
+            <a:spLocks noGrp="1" noChangeArrowheads="1"/>
+          </p:cNvSpPr>
+          <p:nvPr>
+            <p:ph type="body" idx="1"/>
+          </p:nvPr>
+        </p:nvSpPr>
+        <p:spPr>
+          <a:xfrm>
+            <a:off x="1907704" y="1340768"/>
+            <a:ext cx="6779096" cy="4785395"/>
+          </a:xfrm>
+        </p:spPr>
+        <p:txBody>
+          <a:bodyPr/>
+          <a:lstStyle/>
+          <a:p>
+            <a:pPr>
+              <a:buFont typeface="Arial" panose="020B0604020202020204" pitchFamily="34" charset="0"/>
+              <a:buChar char="•"/>
+            </a:pPr>
+            <a:r>
+              <a:rPr lang="it-IT" altLang="it-IT" sz="1800" dirty="0">
+                <a:solidFill>
+                  <a:schemeClr val="bg1"/>
+                </a:solidFill>
+                <a:latin typeface="Trebuchet MS" panose="020B0603020202020204" pitchFamily="34" charset="0"/>
+              </a:rPr>
+              <a:t>Las Vegas</a:t>
+            </a:r>
+          </a:p>
+          <a:p>
+            <a:pPr lvl="1">
+              <a:buFont typeface="Arial" panose="020B0604020202020204" pitchFamily="34" charset="0"/>
+              <a:buChar char="•"/>
+            </a:pPr>
+            <a:r>
+              <a:rPr lang="it-IT" altLang="it-IT" sz="1400" dirty="0" err="1">
+                <a:solidFill>
+                  <a:schemeClr val="bg1"/>
+                </a:solidFill>
+                <a:latin typeface="Trebuchet MS" panose="020B0603020202020204" pitchFamily="34" charset="0"/>
+              </a:rPr>
+              <a:t>Potential</a:t>
+            </a:r>
+            <a:r>
+              <a:rPr lang="it-IT" altLang="it-IT" sz="1400" dirty="0">
+                <a:solidFill>
+                  <a:schemeClr val="bg1"/>
+                </a:solidFill>
+                <a:latin typeface="Trebuchet MS" panose="020B0603020202020204" pitchFamily="34" charset="0"/>
+              </a:rPr>
+              <a:t> </a:t>
+            </a:r>
+            <a:r>
+              <a:rPr lang="it-IT" altLang="it-IT" sz="1400" dirty="0" err="1">
+                <a:solidFill>
+                  <a:schemeClr val="bg1"/>
+                </a:solidFill>
+                <a:latin typeface="Trebuchet MS" panose="020B0603020202020204" pitchFamily="34" charset="0"/>
+              </a:rPr>
+              <a:t>houses</a:t>
+            </a:r>
+            <a:r>
+              <a:rPr lang="it-IT" altLang="it-IT" sz="1400" dirty="0">
+                <a:solidFill>
+                  <a:schemeClr val="bg1"/>
+                </a:solidFill>
+                <a:latin typeface="Trebuchet MS" panose="020B0603020202020204" pitchFamily="34" charset="0"/>
+              </a:rPr>
+              <a:t> to </a:t>
+            </a:r>
+            <a:r>
+              <a:rPr lang="it-IT" altLang="it-IT" sz="1400" dirty="0" err="1">
+                <a:solidFill>
+                  <a:schemeClr val="bg1"/>
+                </a:solidFill>
+                <a:latin typeface="Trebuchet MS" panose="020B0603020202020204" pitchFamily="34" charset="0"/>
+              </a:rPr>
+              <a:t>buy</a:t>
+            </a:r>
+            <a:r>
+              <a:rPr lang="it-IT" altLang="it-IT" sz="1400" dirty="0">
+                <a:solidFill>
+                  <a:schemeClr val="bg1"/>
+                </a:solidFill>
+                <a:latin typeface="Trebuchet MS" panose="020B0603020202020204" pitchFamily="34" charset="0"/>
+              </a:rPr>
+              <a:t> (with </a:t>
+            </a:r>
+            <a:r>
+              <a:rPr lang="it-IT" altLang="it-IT" sz="1400" dirty="0" err="1">
+                <a:solidFill>
+                  <a:schemeClr val="bg1"/>
+                </a:solidFill>
+                <a:latin typeface="Trebuchet MS" panose="020B0603020202020204" pitchFamily="34" charset="0"/>
+              </a:rPr>
+              <a:t>latitude</a:t>
+            </a:r>
+            <a:r>
+              <a:rPr lang="it-IT" altLang="it-IT" sz="1400" dirty="0">
+                <a:solidFill>
+                  <a:schemeClr val="bg1"/>
+                </a:solidFill>
+                <a:latin typeface="Trebuchet MS" panose="020B0603020202020204" pitchFamily="34" charset="0"/>
+              </a:rPr>
+              <a:t> and </a:t>
+            </a:r>
+            <a:r>
+              <a:rPr lang="it-IT" altLang="it-IT" sz="1400" dirty="0" err="1">
+                <a:solidFill>
+                  <a:schemeClr val="bg1"/>
+                </a:solidFill>
+                <a:latin typeface="Trebuchet MS" panose="020B0603020202020204" pitchFamily="34" charset="0"/>
+              </a:rPr>
+              <a:t>longitude</a:t>
+            </a:r>
+            <a:r>
+              <a:rPr lang="it-IT" altLang="it-IT" sz="1400" dirty="0">
+                <a:solidFill>
+                  <a:schemeClr val="bg1"/>
+                </a:solidFill>
+                <a:latin typeface="Trebuchet MS" panose="020B0603020202020204" pitchFamily="34" charset="0"/>
+              </a:rPr>
+              <a:t>)</a:t>
+            </a:r>
+          </a:p>
+          <a:p>
+            <a:pPr lvl="1">
+              <a:buFont typeface="Arial" panose="020B0604020202020204" pitchFamily="34" charset="0"/>
+              <a:buChar char="•"/>
+            </a:pPr>
+            <a:endParaRPr lang="it-IT" altLang="it-IT" sz="1400" dirty="0">
+              <a:solidFill>
+                <a:schemeClr val="bg1"/>
+              </a:solidFill>
+              <a:latin typeface="Trebuchet MS" panose="020B0603020202020204" pitchFamily="34" charset="0"/>
+            </a:endParaRPr>
+          </a:p>
+          <a:p>
+            <a:pPr lvl="1">
+              <a:buFont typeface="Arial" panose="020B0604020202020204" pitchFamily="34" charset="0"/>
+              <a:buChar char="•"/>
+            </a:pPr>
+            <a:endParaRPr lang="it-IT" altLang="it-IT" sz="1400" dirty="0">
+              <a:solidFill>
+                <a:schemeClr val="bg1"/>
+              </a:solidFill>
+              <a:latin typeface="Trebuchet MS" panose="020B0603020202020204" pitchFamily="34" charset="0"/>
+            </a:endParaRPr>
+          </a:p>
+          <a:p>
+            <a:pPr lvl="1">
+              <a:buFont typeface="Arial" panose="020B0604020202020204" pitchFamily="34" charset="0"/>
+              <a:buChar char="•"/>
+            </a:pPr>
+            <a:endParaRPr lang="it-IT" altLang="it-IT" sz="1400" dirty="0">
+              <a:solidFill>
+                <a:schemeClr val="bg1"/>
+              </a:solidFill>
+              <a:latin typeface="Trebuchet MS" panose="020B0603020202020204" pitchFamily="34" charset="0"/>
+            </a:endParaRPr>
+          </a:p>
+          <a:p>
+            <a:pPr lvl="1">
+              <a:buFont typeface="Arial" panose="020B0604020202020204" pitchFamily="34" charset="0"/>
+              <a:buChar char="•"/>
+            </a:pPr>
+            <a:endParaRPr lang="it-IT" altLang="it-IT" sz="1400" dirty="0">
+              <a:solidFill>
+                <a:schemeClr val="bg1"/>
+              </a:solidFill>
+              <a:latin typeface="Trebuchet MS" panose="020B0603020202020204" pitchFamily="34" charset="0"/>
+            </a:endParaRPr>
+          </a:p>
+          <a:p>
+            <a:pPr lvl="1">
+              <a:buFont typeface="Arial" panose="020B0604020202020204" pitchFamily="34" charset="0"/>
+              <a:buChar char="•"/>
+            </a:pPr>
+            <a:endParaRPr lang="it-IT" altLang="it-IT" sz="1400" dirty="0">
+              <a:solidFill>
+                <a:schemeClr val="bg1"/>
+              </a:solidFill>
+              <a:latin typeface="Trebuchet MS" panose="020B0603020202020204" pitchFamily="34" charset="0"/>
+            </a:endParaRPr>
+          </a:p>
+          <a:p>
+            <a:pPr lvl="1">
+              <a:buFont typeface="Arial" panose="020B0604020202020204" pitchFamily="34" charset="0"/>
+              <a:buChar char="•"/>
+            </a:pPr>
+            <a:endParaRPr lang="it-IT" altLang="it-IT" sz="1400" dirty="0">
+              <a:solidFill>
+                <a:schemeClr val="bg1"/>
+              </a:solidFill>
+              <a:latin typeface="Trebuchet MS" panose="020B0603020202020204" pitchFamily="34" charset="0"/>
+            </a:endParaRPr>
+          </a:p>
+          <a:p>
+            <a:pPr lvl="1">
+              <a:buFont typeface="Arial" panose="020B0604020202020204" pitchFamily="34" charset="0"/>
+              <a:buChar char="•"/>
+            </a:pPr>
+            <a:endParaRPr lang="it-IT" altLang="it-IT" sz="1400" dirty="0">
+              <a:solidFill>
+                <a:schemeClr val="bg1"/>
+              </a:solidFill>
+              <a:latin typeface="Trebuchet MS" panose="020B0603020202020204" pitchFamily="34" charset="0"/>
+            </a:endParaRPr>
+          </a:p>
+          <a:p>
+            <a:pPr lvl="1">
+              <a:buFont typeface="Arial" panose="020B0604020202020204" pitchFamily="34" charset="0"/>
+              <a:buChar char="•"/>
+            </a:pPr>
+            <a:endParaRPr lang="it-IT" altLang="it-IT" sz="1400" dirty="0">
+              <a:solidFill>
+                <a:schemeClr val="bg1"/>
+              </a:solidFill>
+              <a:latin typeface="Trebuchet MS" panose="020B0603020202020204" pitchFamily="34" charset="0"/>
+            </a:endParaRPr>
+          </a:p>
+          <a:p>
+            <a:pPr lvl="1">
+              <a:buFont typeface="Arial" panose="020B0604020202020204" pitchFamily="34" charset="0"/>
+              <a:buChar char="•"/>
+            </a:pPr>
+            <a:endParaRPr lang="it-IT" altLang="it-IT" sz="1400" dirty="0">
+              <a:solidFill>
+                <a:schemeClr val="bg1"/>
+              </a:solidFill>
+              <a:latin typeface="Trebuchet MS" panose="020B0603020202020204" pitchFamily="34" charset="0"/>
+            </a:endParaRPr>
+          </a:p>
+          <a:p>
+            <a:pPr lvl="1">
+              <a:buFont typeface="Arial" panose="020B0604020202020204" pitchFamily="34" charset="0"/>
+              <a:buChar char="•"/>
+            </a:pPr>
+            <a:r>
+              <a:rPr lang="it-IT" altLang="it-IT" sz="1400" dirty="0" err="1">
+                <a:solidFill>
+                  <a:schemeClr val="bg1"/>
+                </a:solidFill>
+                <a:latin typeface="Trebuchet MS" panose="020B0603020202020204" pitchFamily="34" charset="0"/>
+              </a:rPr>
+              <a:t>As</a:t>
+            </a:r>
+            <a:r>
+              <a:rPr lang="it-IT" altLang="it-IT" sz="1400" dirty="0">
+                <a:solidFill>
+                  <a:schemeClr val="bg1"/>
+                </a:solidFill>
+                <a:latin typeface="Trebuchet MS" panose="020B0603020202020204" pitchFamily="34" charset="0"/>
+              </a:rPr>
+              <a:t> for Padova/</a:t>
+            </a:r>
+            <a:r>
+              <a:rPr lang="it-IT" altLang="it-IT" sz="1400" dirty="0" err="1">
+                <a:solidFill>
+                  <a:schemeClr val="bg1"/>
+                </a:solidFill>
+                <a:latin typeface="Trebuchet MS" panose="020B0603020202020204" pitchFamily="34" charset="0"/>
+              </a:rPr>
+              <a:t>Padua</a:t>
+            </a:r>
+            <a:r>
+              <a:rPr lang="it-IT" altLang="it-IT" sz="1400" dirty="0">
+                <a:solidFill>
+                  <a:schemeClr val="bg1"/>
+                </a:solidFill>
+                <a:latin typeface="Trebuchet MS" panose="020B0603020202020204" pitchFamily="34" charset="0"/>
+              </a:rPr>
+              <a:t>, in Las Vegas </a:t>
+            </a:r>
+            <a:r>
+              <a:rPr lang="it-IT" altLang="it-IT" sz="1400" dirty="0" err="1">
+                <a:solidFill>
+                  <a:schemeClr val="bg1"/>
+                </a:solidFill>
+                <a:latin typeface="Trebuchet MS" panose="020B0603020202020204" pitchFamily="34" charset="0"/>
+              </a:rPr>
+              <a:t>we</a:t>
+            </a:r>
+            <a:r>
+              <a:rPr lang="it-IT" altLang="it-IT" sz="1400" dirty="0">
+                <a:solidFill>
+                  <a:schemeClr val="bg1"/>
+                </a:solidFill>
+                <a:latin typeface="Trebuchet MS" panose="020B0603020202020204" pitchFamily="34" charset="0"/>
+              </a:rPr>
+              <a:t> use </a:t>
+            </a:r>
+            <a:r>
+              <a:rPr lang="it-IT" altLang="it-IT" sz="1400" dirty="0" err="1">
+                <a:solidFill>
+                  <a:schemeClr val="bg1"/>
+                </a:solidFill>
+                <a:latin typeface="Trebuchet MS" panose="020B0603020202020204" pitchFamily="34" charset="0"/>
+              </a:rPr>
+              <a:t>foursquare</a:t>
+            </a:r>
+            <a:r>
+              <a:rPr lang="it-IT" altLang="it-IT" sz="1400" dirty="0">
+                <a:solidFill>
+                  <a:schemeClr val="bg1"/>
+                </a:solidFill>
+                <a:latin typeface="Trebuchet MS" panose="020B0603020202020204" pitchFamily="34" charset="0"/>
+              </a:rPr>
+              <a:t> with a </a:t>
+            </a:r>
+            <a:r>
+              <a:rPr lang="it-IT" altLang="it-IT" sz="1400" dirty="0" err="1">
+                <a:solidFill>
+                  <a:schemeClr val="bg1"/>
+                </a:solidFill>
+                <a:latin typeface="Trebuchet MS" panose="020B0603020202020204" pitchFamily="34" charset="0"/>
+              </a:rPr>
+              <a:t>radius</a:t>
+            </a:r>
+            <a:r>
+              <a:rPr lang="it-IT" altLang="it-IT" sz="1400" dirty="0">
+                <a:solidFill>
+                  <a:schemeClr val="bg1"/>
+                </a:solidFill>
+                <a:latin typeface="Trebuchet MS" panose="020B0603020202020204" pitchFamily="34" charset="0"/>
+              </a:rPr>
+              <a:t> of 8km (5mi) </a:t>
+            </a:r>
+            <a:r>
+              <a:rPr lang="it-IT" altLang="it-IT" sz="1400" dirty="0" err="1">
+                <a:solidFill>
+                  <a:schemeClr val="bg1"/>
+                </a:solidFill>
+                <a:latin typeface="Trebuchet MS" panose="020B0603020202020204" pitchFamily="34" charset="0"/>
+              </a:rPr>
+              <a:t>because</a:t>
+            </a:r>
+            <a:r>
+              <a:rPr lang="it-IT" altLang="it-IT" sz="1400" dirty="0">
+                <a:solidFill>
+                  <a:schemeClr val="bg1"/>
+                </a:solidFill>
+                <a:latin typeface="Trebuchet MS" panose="020B0603020202020204" pitchFamily="34" charset="0"/>
+              </a:rPr>
+              <a:t> </a:t>
+            </a:r>
+            <a:r>
+              <a:rPr lang="it-IT" altLang="it-IT" sz="1400" dirty="0" err="1">
+                <a:solidFill>
+                  <a:schemeClr val="bg1"/>
+                </a:solidFill>
+                <a:latin typeface="Trebuchet MS" panose="020B0603020202020204" pitchFamily="34" charset="0"/>
+              </a:rPr>
+              <a:t>it</a:t>
+            </a:r>
+            <a:r>
+              <a:rPr lang="it-IT" altLang="it-IT" sz="1400" dirty="0">
+                <a:solidFill>
+                  <a:schemeClr val="bg1"/>
+                </a:solidFill>
+                <a:latin typeface="Trebuchet MS" panose="020B0603020202020204" pitchFamily="34" charset="0"/>
+              </a:rPr>
+              <a:t> </a:t>
+            </a:r>
+            <a:r>
+              <a:rPr lang="it-IT" altLang="it-IT" sz="1400" dirty="0" err="1">
+                <a:solidFill>
+                  <a:schemeClr val="bg1"/>
+                </a:solidFill>
+                <a:latin typeface="Trebuchet MS" panose="020B0603020202020204" pitchFamily="34" charset="0"/>
+              </a:rPr>
+              <a:t>is</a:t>
+            </a:r>
+            <a:r>
+              <a:rPr lang="it-IT" altLang="it-IT" sz="1400" dirty="0">
+                <a:solidFill>
+                  <a:schemeClr val="bg1"/>
+                </a:solidFill>
+                <a:latin typeface="Trebuchet MS" panose="020B0603020202020204" pitchFamily="34" charset="0"/>
+              </a:rPr>
+              <a:t> </a:t>
+            </a:r>
+            <a:r>
+              <a:rPr lang="it-IT" altLang="it-IT" sz="1400" dirty="0" err="1">
+                <a:solidFill>
+                  <a:schemeClr val="bg1"/>
+                </a:solidFill>
+                <a:latin typeface="Trebuchet MS" panose="020B0603020202020204" pitchFamily="34" charset="0"/>
+              </a:rPr>
+              <a:t>easier</a:t>
+            </a:r>
+            <a:r>
+              <a:rPr lang="it-IT" altLang="it-IT" sz="1400" dirty="0">
+                <a:solidFill>
+                  <a:schemeClr val="bg1"/>
+                </a:solidFill>
+                <a:latin typeface="Trebuchet MS" panose="020B0603020202020204" pitchFamily="34" charset="0"/>
+              </a:rPr>
+              <a:t> to </a:t>
+            </a:r>
+            <a:r>
+              <a:rPr lang="it-IT" altLang="it-IT" sz="1400" dirty="0" err="1">
+                <a:solidFill>
+                  <a:schemeClr val="bg1"/>
+                </a:solidFill>
+                <a:latin typeface="Trebuchet MS" panose="020B0603020202020204" pitchFamily="34" charset="0"/>
+              </a:rPr>
+              <a:t>reach</a:t>
+            </a:r>
+            <a:r>
+              <a:rPr lang="it-IT" altLang="it-IT" sz="1400" dirty="0">
+                <a:solidFill>
+                  <a:schemeClr val="bg1"/>
+                </a:solidFill>
+                <a:latin typeface="Trebuchet MS" panose="020B0603020202020204" pitchFamily="34" charset="0"/>
+              </a:rPr>
+              <a:t> a more far </a:t>
+            </a:r>
+            <a:r>
+              <a:rPr lang="it-IT" altLang="it-IT" sz="1400" dirty="0" err="1">
+                <a:solidFill>
+                  <a:schemeClr val="bg1"/>
+                </a:solidFill>
+                <a:latin typeface="Trebuchet MS" panose="020B0603020202020204" pitchFamily="34" charset="0"/>
+              </a:rPr>
+              <a:t>away</a:t>
+            </a:r>
+            <a:r>
+              <a:rPr lang="it-IT" altLang="it-IT" sz="1400" dirty="0">
+                <a:solidFill>
+                  <a:schemeClr val="bg1"/>
+                </a:solidFill>
+                <a:latin typeface="Trebuchet MS" panose="020B0603020202020204" pitchFamily="34" charset="0"/>
+              </a:rPr>
+              <a:t> </a:t>
+            </a:r>
+            <a:r>
+              <a:rPr lang="it-IT" altLang="it-IT" sz="1400" dirty="0" err="1">
+                <a:solidFill>
+                  <a:schemeClr val="bg1"/>
+                </a:solidFill>
+                <a:latin typeface="Trebuchet MS" panose="020B0603020202020204" pitchFamily="34" charset="0"/>
+              </a:rPr>
+              <a:t>destination</a:t>
+            </a:r>
+            <a:r>
+              <a:rPr lang="it-IT" altLang="it-IT" sz="1400" dirty="0">
+                <a:solidFill>
+                  <a:schemeClr val="bg1"/>
+                </a:solidFill>
+                <a:latin typeface="Trebuchet MS" panose="020B0603020202020204" pitchFamily="34" charset="0"/>
+              </a:rPr>
+              <a:t>.</a:t>
+            </a:r>
+          </a:p>
+          <a:p>
+            <a:pPr lvl="1">
+              <a:buFont typeface="Arial" panose="020B0604020202020204" pitchFamily="34" charset="0"/>
+              <a:buChar char="•"/>
+            </a:pPr>
+            <a:r>
+              <a:rPr lang="it-IT" altLang="it-IT" sz="1400" dirty="0">
+                <a:solidFill>
+                  <a:schemeClr val="bg1"/>
+                </a:solidFill>
+                <a:latin typeface="Trebuchet MS" panose="020B0603020202020204" pitchFamily="34" charset="0"/>
+              </a:rPr>
+              <a:t>So parks, schools, shopping </a:t>
+            </a:r>
+            <a:r>
+              <a:rPr lang="it-IT" altLang="it-IT" sz="1400" dirty="0" err="1">
+                <a:solidFill>
+                  <a:schemeClr val="bg1"/>
+                </a:solidFill>
+                <a:latin typeface="Trebuchet MS" panose="020B0603020202020204" pitchFamily="34" charset="0"/>
+              </a:rPr>
+              <a:t>venues</a:t>
+            </a:r>
+            <a:r>
+              <a:rPr lang="it-IT" altLang="it-IT" sz="1400" dirty="0">
+                <a:solidFill>
+                  <a:schemeClr val="bg1"/>
+                </a:solidFill>
+                <a:latin typeface="Trebuchet MS" panose="020B0603020202020204" pitchFamily="34" charset="0"/>
+              </a:rPr>
+              <a:t>, </a:t>
+            </a:r>
+            <a:r>
+              <a:rPr lang="it-IT" altLang="it-IT" sz="1400" dirty="0" err="1">
+                <a:solidFill>
+                  <a:schemeClr val="bg1"/>
+                </a:solidFill>
+                <a:latin typeface="Trebuchet MS" panose="020B0603020202020204" pitchFamily="34" charset="0"/>
+              </a:rPr>
+              <a:t>theatres</a:t>
+            </a:r>
+            <a:r>
+              <a:rPr lang="it-IT" altLang="it-IT" sz="1400" dirty="0">
+                <a:solidFill>
+                  <a:schemeClr val="bg1"/>
+                </a:solidFill>
+                <a:latin typeface="Trebuchet MS" panose="020B0603020202020204" pitchFamily="34" charset="0"/>
+              </a:rPr>
+              <a:t> (from </a:t>
+            </a:r>
+            <a:r>
+              <a:rPr lang="it-IT" altLang="it-IT" sz="1400" dirty="0" err="1">
+                <a:solidFill>
+                  <a:schemeClr val="bg1"/>
+                </a:solidFill>
+                <a:latin typeface="Trebuchet MS" panose="020B0603020202020204" pitchFamily="34" charset="0"/>
+              </a:rPr>
+              <a:t>Foursquare</a:t>
+            </a:r>
+            <a:r>
+              <a:rPr lang="it-IT" altLang="it-IT" sz="1400" dirty="0">
+                <a:solidFill>
+                  <a:schemeClr val="bg1"/>
+                </a:solidFill>
+                <a:latin typeface="Trebuchet MS" panose="020B0603020202020204" pitchFamily="34" charset="0"/>
+              </a:rPr>
+              <a:t>) and a </a:t>
+            </a:r>
+            <a:r>
+              <a:rPr lang="it-IT" altLang="it-IT" sz="1400" dirty="0" err="1">
+                <a:solidFill>
+                  <a:schemeClr val="bg1"/>
+                </a:solidFill>
+                <a:latin typeface="Trebuchet MS" panose="020B0603020202020204" pitchFamily="34" charset="0"/>
+              </a:rPr>
+              <a:t>specific</a:t>
+            </a:r>
+            <a:r>
+              <a:rPr lang="it-IT" altLang="it-IT" sz="1400" dirty="0">
+                <a:solidFill>
+                  <a:schemeClr val="bg1"/>
+                </a:solidFill>
+                <a:latin typeface="Trebuchet MS" panose="020B0603020202020204" pitchFamily="34" charset="0"/>
+              </a:rPr>
+              <a:t> </a:t>
+            </a:r>
+            <a:r>
+              <a:rPr lang="it-IT" altLang="it-IT" sz="1400" dirty="0" err="1">
+                <a:solidFill>
+                  <a:schemeClr val="bg1"/>
+                </a:solidFill>
+                <a:latin typeface="Trebuchet MS" panose="020B0603020202020204" pitchFamily="34" charset="0"/>
+              </a:rPr>
+              <a:t>radius</a:t>
+            </a:r>
+            <a:r>
+              <a:rPr lang="it-IT" altLang="it-IT" sz="1400" dirty="0">
+                <a:solidFill>
+                  <a:schemeClr val="bg1"/>
+                </a:solidFill>
+                <a:latin typeface="Trebuchet MS" panose="020B0603020202020204" pitchFamily="34" charset="0"/>
+              </a:rPr>
+              <a:t> of 8km (5mi). </a:t>
+            </a:r>
+          </a:p>
+          <a:p>
+            <a:pPr lvl="1">
+              <a:buFont typeface="Arial" panose="020B0604020202020204" pitchFamily="34" charset="0"/>
+              <a:buChar char="•"/>
+            </a:pPr>
+            <a:r>
+              <a:rPr lang="it-IT" altLang="it-IT" sz="1400" dirty="0">
+                <a:solidFill>
+                  <a:schemeClr val="bg1"/>
+                </a:solidFill>
+                <a:latin typeface="Trebuchet MS" panose="020B0603020202020204" pitchFamily="34" charset="0"/>
+              </a:rPr>
+              <a:t>The features </a:t>
+            </a:r>
+            <a:r>
+              <a:rPr lang="it-IT" altLang="it-IT" sz="1400" dirty="0" err="1">
+                <a:solidFill>
+                  <a:schemeClr val="bg1"/>
+                </a:solidFill>
+                <a:latin typeface="Trebuchet MS" panose="020B0603020202020204" pitchFamily="34" charset="0"/>
+              </a:rPr>
+              <a:t>we</a:t>
+            </a:r>
+            <a:r>
+              <a:rPr lang="it-IT" altLang="it-IT" sz="1400" dirty="0">
+                <a:solidFill>
+                  <a:schemeClr val="bg1"/>
+                </a:solidFill>
+                <a:latin typeface="Trebuchet MS" panose="020B0603020202020204" pitchFamily="34" charset="0"/>
+              </a:rPr>
+              <a:t> are </a:t>
+            </a:r>
+            <a:r>
+              <a:rPr lang="it-IT" altLang="it-IT" sz="1400" dirty="0" err="1">
+                <a:solidFill>
+                  <a:schemeClr val="bg1"/>
+                </a:solidFill>
+                <a:latin typeface="Trebuchet MS" panose="020B0603020202020204" pitchFamily="34" charset="0"/>
+              </a:rPr>
+              <a:t>interested</a:t>
+            </a:r>
+            <a:r>
+              <a:rPr lang="it-IT" altLang="it-IT" sz="1400" dirty="0">
+                <a:solidFill>
+                  <a:schemeClr val="bg1"/>
+                </a:solidFill>
+                <a:latin typeface="Trebuchet MS" panose="020B0603020202020204" pitchFamily="34" charset="0"/>
+              </a:rPr>
+              <a:t> are </a:t>
+            </a:r>
+            <a:r>
+              <a:rPr lang="it-IT" altLang="it-IT" sz="1400" dirty="0" err="1">
+                <a:solidFill>
+                  <a:schemeClr val="bg1"/>
+                </a:solidFill>
+                <a:latin typeface="Trebuchet MS" panose="020B0603020202020204" pitchFamily="34" charset="0"/>
+              </a:rPr>
+              <a:t>distance</a:t>
+            </a:r>
+            <a:r>
+              <a:rPr lang="it-IT" altLang="it-IT" sz="1400" dirty="0">
+                <a:solidFill>
+                  <a:schemeClr val="bg1"/>
+                </a:solidFill>
+                <a:latin typeface="Trebuchet MS" panose="020B0603020202020204" pitchFamily="34" charset="0"/>
+              </a:rPr>
+              <a:t> from house, review score, opening hours and </a:t>
+            </a:r>
+            <a:r>
+              <a:rPr lang="it-IT" altLang="it-IT" sz="1400" dirty="0" err="1">
+                <a:solidFill>
+                  <a:schemeClr val="bg1"/>
+                </a:solidFill>
+                <a:latin typeface="Trebuchet MS" panose="020B0603020202020204" pitchFamily="34" charset="0"/>
+              </a:rPr>
+              <a:t>if</a:t>
+            </a:r>
+            <a:r>
+              <a:rPr lang="it-IT" altLang="it-IT" sz="1400" dirty="0">
+                <a:solidFill>
+                  <a:schemeClr val="bg1"/>
+                </a:solidFill>
+                <a:latin typeface="Trebuchet MS" panose="020B0603020202020204" pitchFamily="34" charset="0"/>
+              </a:rPr>
+              <a:t> </a:t>
+            </a:r>
+            <a:r>
+              <a:rPr lang="it-IT" altLang="it-IT" sz="1400" dirty="0" err="1">
+                <a:solidFill>
+                  <a:schemeClr val="bg1"/>
+                </a:solidFill>
+                <a:latin typeface="Trebuchet MS" panose="020B0603020202020204" pitchFamily="34" charset="0"/>
+              </a:rPr>
+              <a:t>they</a:t>
+            </a:r>
+            <a:r>
+              <a:rPr lang="it-IT" altLang="it-IT" sz="1400" dirty="0">
+                <a:solidFill>
+                  <a:schemeClr val="bg1"/>
+                </a:solidFill>
+                <a:latin typeface="Trebuchet MS" panose="020B0603020202020204" pitchFamily="34" charset="0"/>
+              </a:rPr>
+              <a:t> are </a:t>
+            </a:r>
+            <a:r>
+              <a:rPr lang="it-IT" altLang="it-IT" sz="1400" dirty="0" err="1">
+                <a:solidFill>
+                  <a:schemeClr val="bg1"/>
+                </a:solidFill>
+                <a:latin typeface="Trebuchet MS" panose="020B0603020202020204" pitchFamily="34" charset="0"/>
+              </a:rPr>
+              <a:t>trending</a:t>
+            </a:r>
+            <a:r>
+              <a:rPr lang="it-IT" altLang="it-IT" sz="1400" dirty="0">
+                <a:solidFill>
+                  <a:schemeClr val="bg1"/>
+                </a:solidFill>
+                <a:latin typeface="Trebuchet MS" panose="020B0603020202020204" pitchFamily="34" charset="0"/>
+              </a:rPr>
+              <a:t>. </a:t>
+            </a:r>
+          </a:p>
+          <a:p>
+            <a:pPr lvl="1">
+              <a:buFont typeface="Arial" panose="020B0604020202020204" pitchFamily="34" charset="0"/>
+              <a:buChar char="•"/>
+            </a:pPr>
+            <a:r>
+              <a:rPr lang="it-IT" altLang="it-IT" sz="1400" dirty="0" err="1">
+                <a:solidFill>
+                  <a:schemeClr val="bg1"/>
+                </a:solidFill>
+                <a:latin typeface="Trebuchet MS" panose="020B0603020202020204" pitchFamily="34" charset="0"/>
+              </a:rPr>
+              <a:t>We</a:t>
+            </a:r>
+            <a:r>
+              <a:rPr lang="it-IT" altLang="it-IT" sz="1400" dirty="0">
+                <a:solidFill>
+                  <a:schemeClr val="bg1"/>
+                </a:solidFill>
+                <a:latin typeface="Trebuchet MS" panose="020B0603020202020204" pitchFamily="34" charset="0"/>
+              </a:rPr>
+              <a:t> </a:t>
+            </a:r>
+            <a:r>
+              <a:rPr lang="it-IT" altLang="it-IT" sz="1400" dirty="0" err="1">
+                <a:solidFill>
+                  <a:schemeClr val="bg1"/>
+                </a:solidFill>
+                <a:latin typeface="Trebuchet MS" panose="020B0603020202020204" pitchFamily="34" charset="0"/>
+              </a:rPr>
+              <a:t>consider</a:t>
+            </a:r>
+            <a:r>
+              <a:rPr lang="it-IT" altLang="it-IT" sz="1400" dirty="0">
+                <a:solidFill>
+                  <a:schemeClr val="bg1"/>
+                </a:solidFill>
+                <a:latin typeface="Trebuchet MS" panose="020B0603020202020204" pitchFamily="34" charset="0"/>
+              </a:rPr>
+              <a:t> </a:t>
+            </a:r>
+            <a:r>
+              <a:rPr lang="it-IT" altLang="it-IT" sz="1400" dirty="0" err="1">
+                <a:solidFill>
+                  <a:schemeClr val="bg1"/>
+                </a:solidFill>
+                <a:latin typeface="Trebuchet MS" panose="020B0603020202020204" pitchFamily="34" charset="0"/>
+              </a:rPr>
+              <a:t>also</a:t>
+            </a:r>
+            <a:r>
+              <a:rPr lang="it-IT" altLang="it-IT" sz="1400" dirty="0">
+                <a:solidFill>
+                  <a:schemeClr val="bg1"/>
+                </a:solidFill>
+                <a:latin typeface="Trebuchet MS" panose="020B0603020202020204" pitchFamily="34" charset="0"/>
+              </a:rPr>
+              <a:t> the </a:t>
+            </a:r>
+            <a:r>
+              <a:rPr lang="it-IT" altLang="it-IT" sz="1400" dirty="0" err="1">
+                <a:solidFill>
+                  <a:schemeClr val="bg1"/>
+                </a:solidFill>
+                <a:latin typeface="Trebuchet MS" panose="020B0603020202020204" pitchFamily="34" charset="0"/>
+              </a:rPr>
+              <a:t>distance</a:t>
+            </a:r>
+            <a:r>
+              <a:rPr lang="it-IT" altLang="it-IT" sz="1400" dirty="0">
+                <a:solidFill>
+                  <a:schemeClr val="bg1"/>
+                </a:solidFill>
+                <a:latin typeface="Trebuchet MS" panose="020B0603020202020204" pitchFamily="34" charset="0"/>
+              </a:rPr>
+              <a:t> of the house from the </a:t>
+            </a:r>
+            <a:r>
+              <a:rPr lang="it-IT" altLang="it-IT" sz="1400" dirty="0" err="1">
+                <a:solidFill>
+                  <a:schemeClr val="bg1"/>
+                </a:solidFill>
+                <a:latin typeface="Trebuchet MS" panose="020B0603020202020204" pitchFamily="34" charset="0"/>
+              </a:rPr>
+              <a:t>jobplace</a:t>
+            </a:r>
+            <a:r>
+              <a:rPr lang="it-IT" altLang="it-IT" sz="1400" dirty="0">
+                <a:solidFill>
+                  <a:schemeClr val="bg1"/>
+                </a:solidFill>
+                <a:latin typeface="Trebuchet MS" panose="020B0603020202020204" pitchFamily="34" charset="0"/>
+              </a:rPr>
+              <a:t> (</a:t>
+            </a:r>
+            <a:r>
+              <a:rPr lang="it-IT" altLang="it-IT" sz="1400" dirty="0" err="1">
+                <a:solidFill>
+                  <a:schemeClr val="bg1"/>
+                </a:solidFill>
+                <a:latin typeface="Trebuchet MS" panose="020B0603020202020204" pitchFamily="34" charset="0"/>
+              </a:rPr>
+              <a:t>Caesars</a:t>
+            </a:r>
+            <a:r>
+              <a:rPr lang="it-IT" altLang="it-IT" sz="1400" dirty="0">
+                <a:solidFill>
+                  <a:schemeClr val="bg1"/>
+                </a:solidFill>
+                <a:latin typeface="Trebuchet MS" panose="020B0603020202020204" pitchFamily="34" charset="0"/>
+              </a:rPr>
+              <a:t> Palace Casino Las Vegas).</a:t>
+            </a:r>
+          </a:p>
+          <a:p>
+            <a:pPr lvl="1">
+              <a:buFont typeface="Arial" panose="020B0604020202020204" pitchFamily="34" charset="0"/>
+              <a:buChar char="•"/>
+            </a:pPr>
+            <a:endParaRPr lang="it-IT" altLang="it-IT" sz="1400" dirty="0">
+              <a:solidFill>
+                <a:schemeClr val="bg1"/>
+              </a:solidFill>
+              <a:latin typeface="Trebuchet MS" panose="020B0603020202020204" pitchFamily="34" charset="0"/>
+            </a:endParaRPr>
+          </a:p>
+        </p:txBody>
+      </p:sp>
+      <p:pic>
+        <p:nvPicPr>
+          <p:cNvPr id="3" name="Immagine 2">
+            <a:extLst>
+              <a:ext uri="{FF2B5EF4-FFF2-40B4-BE49-F238E27FC236}">
+                <a16:creationId xmlns:a16="http://schemas.microsoft.com/office/drawing/2014/main" id="{8A34F68F-DE7C-40C9-9560-24DC9F7195B5}"/>
+              </a:ext>
+            </a:extLst>
+          </p:cNvPr>
+          <p:cNvPicPr>
+            <a:picLocks noChangeAspect="1"/>
+          </p:cNvPicPr>
+          <p:nvPr/>
+        </p:nvPicPr>
+        <p:blipFill>
+          <a:blip r:embed="rId2"/>
+          <a:stretch>
+            <a:fillRect/>
+          </a:stretch>
+        </p:blipFill>
+        <p:spPr>
+          <a:xfrm>
+            <a:off x="2725480" y="1988840"/>
+            <a:ext cx="4510816" cy="2110878"/>
+          </a:xfrm>
+          <a:prstGeom prst="rect">
+            <a:avLst/>
+          </a:prstGeom>
+        </p:spPr>
+      </p:pic>
+    </p:spTree>
+    <p:extLst>
+      <p:ext uri="{BB962C8B-B14F-4D97-AF65-F5344CB8AC3E}">
+        <p14:creationId xmlns:p14="http://schemas.microsoft.com/office/powerpoint/2010/main" val="3652510629"/>
       </p:ext>
     </p:extLst>
   </p:cSld>
